--- a/Crea il tuo videogioco.pptx
+++ b/Crea il tuo videogioco.pptx
@@ -5,7 +5,7 @@
     <p:sldMasterId id="2147483648" r:id="rId1"/>
   </p:sldMasterIdLst>
   <p:notesMasterIdLst>
-    <p:notesMasterId r:id="rId8"/>
+    <p:notesMasterId r:id="rId10"/>
   </p:notesMasterIdLst>
   <p:sldIdLst>
     <p:sldId id="256" r:id="rId2"/>
@@ -14,6 +14,8 @@
     <p:sldId id="259" r:id="rId5"/>
     <p:sldId id="260" r:id="rId6"/>
     <p:sldId id="261" r:id="rId7"/>
+    <p:sldId id="262" r:id="rId8"/>
+    <p:sldId id="263" r:id="rId9"/>
   </p:sldIdLst>
   <p:sldSz cx="12192000" cy="6858000"/>
   <p:notesSz cx="6858000" cy="9144000"/>
@@ -202,7 +204,7 @@
           <a:p>
             <a:fld id="{150444D0-B150-4B04-B96D-F7447116E279}" type="datetimeFigureOut">
               <a:rPr lang="it-IT" smtClean="0"/>
-              <a:t>30/07/2018</a:t>
+              <a:t>31/07/2018</a:t>
             </a:fld>
             <a:endParaRPr lang="it-IT" dirty="0"/>
           </a:p>
@@ -658,7 +660,7 @@
             <a:fld id="{B61BEF0D-F0BB-DE4B-95CE-6DB70DBA9567}" type="datetimeFigureOut">
               <a:rPr lang="en-US" dirty="0"/>
               <a:pPr/>
-              <a:t>7/30/2018</a:t>
+              <a:t>7/31/2018</a:t>
             </a:fld>
             <a:endParaRPr lang="en-US" dirty="0"/>
           </a:p>
@@ -993,7 +995,7 @@
             <a:fld id="{B61BEF0D-F0BB-DE4B-95CE-6DB70DBA9567}" type="datetimeFigureOut">
               <a:rPr lang="en-US" dirty="0"/>
               <a:pPr/>
-              <a:t>7/30/2018</a:t>
+              <a:t>7/31/2018</a:t>
             </a:fld>
             <a:endParaRPr lang="en-US" dirty="0"/>
           </a:p>
@@ -1391,7 +1393,7 @@
             <a:fld id="{B61BEF0D-F0BB-DE4B-95CE-6DB70DBA9567}" type="datetimeFigureOut">
               <a:rPr lang="en-US" dirty="0"/>
               <a:pPr/>
-              <a:t>7/30/2018</a:t>
+              <a:t>7/31/2018</a:t>
             </a:fld>
             <a:endParaRPr lang="en-US" dirty="0"/>
           </a:p>
@@ -1724,7 +1726,7 @@
             <a:fld id="{B61BEF0D-F0BB-DE4B-95CE-6DB70DBA9567}" type="datetimeFigureOut">
               <a:rPr lang="en-US" dirty="0"/>
               <a:pPr/>
-              <a:t>7/30/2018</a:t>
+              <a:t>7/31/2018</a:t>
             </a:fld>
             <a:endParaRPr lang="en-US" dirty="0"/>
           </a:p>
@@ -2041,7 +2043,7 @@
             <a:fld id="{B61BEF0D-F0BB-DE4B-95CE-6DB70DBA9567}" type="datetimeFigureOut">
               <a:rPr lang="en-US" dirty="0"/>
               <a:pPr/>
-              <a:t>7/30/2018</a:t>
+              <a:t>7/31/2018</a:t>
             </a:fld>
             <a:endParaRPr lang="en-US" dirty="0"/>
           </a:p>
@@ -2434,7 +2436,7 @@
             <a:fld id="{B61BEF0D-F0BB-DE4B-95CE-6DB70DBA9567}" type="datetimeFigureOut">
               <a:rPr lang="en-US" dirty="0"/>
               <a:pPr/>
-              <a:t>7/30/2018</a:t>
+              <a:t>7/31/2018</a:t>
             </a:fld>
             <a:endParaRPr lang="en-US" dirty="0"/>
           </a:p>
@@ -2688,7 +2690,7 @@
             <a:fld id="{B61BEF0D-F0BB-DE4B-95CE-6DB70DBA9567}" type="datetimeFigureOut">
               <a:rPr lang="en-US" dirty="0"/>
               <a:pPr/>
-              <a:t>7/30/2018</a:t>
+              <a:t>7/31/2018</a:t>
             </a:fld>
             <a:endParaRPr lang="en-US" dirty="0"/>
           </a:p>
@@ -2947,7 +2949,7 @@
             <a:fld id="{B61BEF0D-F0BB-DE4B-95CE-6DB70DBA9567}" type="datetimeFigureOut">
               <a:rPr lang="en-US" dirty="0"/>
               <a:pPr/>
-              <a:t>7/30/2018</a:t>
+              <a:t>7/31/2018</a:t>
             </a:fld>
             <a:endParaRPr lang="en-US" dirty="0"/>
           </a:p>
@@ -3206,7 +3208,7 @@
             <a:fld id="{B61BEF0D-F0BB-DE4B-95CE-6DB70DBA9567}" type="datetimeFigureOut">
               <a:rPr lang="en-US" dirty="0"/>
               <a:pPr/>
-              <a:t>7/30/2018</a:t>
+              <a:t>7/31/2018</a:t>
             </a:fld>
             <a:endParaRPr lang="en-US" dirty="0"/>
           </a:p>
@@ -3532,7 +3534,7 @@
             <a:fld id="{B61BEF0D-F0BB-DE4B-95CE-6DB70DBA9567}" type="datetimeFigureOut">
               <a:rPr lang="en-US" dirty="0"/>
               <a:pPr/>
-              <a:t>7/30/2018</a:t>
+              <a:t>7/31/2018</a:t>
             </a:fld>
             <a:endParaRPr lang="en-US" dirty="0"/>
           </a:p>
@@ -3852,7 +3854,7 @@
             <a:fld id="{B61BEF0D-F0BB-DE4B-95CE-6DB70DBA9567}" type="datetimeFigureOut">
               <a:rPr lang="en-US" dirty="0"/>
               <a:pPr/>
-              <a:t>7/30/2018</a:t>
+              <a:t>7/31/2018</a:t>
             </a:fld>
             <a:endParaRPr lang="en-US" dirty="0"/>
           </a:p>
@@ -4306,7 +4308,7 @@
             <a:fld id="{B61BEF0D-F0BB-DE4B-95CE-6DB70DBA9567}" type="datetimeFigureOut">
               <a:rPr lang="en-US" dirty="0"/>
               <a:pPr/>
-              <a:t>7/30/2018</a:t>
+              <a:t>7/31/2018</a:t>
             </a:fld>
             <a:endParaRPr lang="en-US" dirty="0"/>
           </a:p>
@@ -4508,7 +4510,7 @@
             <a:fld id="{B61BEF0D-F0BB-DE4B-95CE-6DB70DBA9567}" type="datetimeFigureOut">
               <a:rPr lang="en-US" dirty="0"/>
               <a:pPr/>
-              <a:t>7/30/2018</a:t>
+              <a:t>7/31/2018</a:t>
             </a:fld>
             <a:endParaRPr lang="en-US" dirty="0"/>
           </a:p>
@@ -4682,7 +4684,7 @@
             <a:fld id="{B61BEF0D-F0BB-DE4B-95CE-6DB70DBA9567}" type="datetimeFigureOut">
               <a:rPr lang="en-US" dirty="0"/>
               <a:pPr/>
-              <a:t>7/30/2018</a:t>
+              <a:t>7/31/2018</a:t>
             </a:fld>
             <a:endParaRPr lang="en-US" dirty="0"/>
           </a:p>
@@ -5012,7 +5014,7 @@
             <a:fld id="{B61BEF0D-F0BB-DE4B-95CE-6DB70DBA9567}" type="datetimeFigureOut">
               <a:rPr lang="en-US" dirty="0"/>
               <a:pPr/>
-              <a:t>7/30/2018</a:t>
+              <a:t>7/31/2018</a:t>
             </a:fld>
             <a:endParaRPr lang="en-US" dirty="0"/>
           </a:p>
@@ -5354,7 +5356,7 @@
             <a:fld id="{B61BEF0D-F0BB-DE4B-95CE-6DB70DBA9567}" type="datetimeFigureOut">
               <a:rPr lang="en-US" dirty="0"/>
               <a:pPr/>
-              <a:t>7/30/2018</a:t>
+              <a:t>7/31/2018</a:t>
             </a:fld>
             <a:endParaRPr lang="en-US" dirty="0"/>
           </a:p>
@@ -7468,7 +7470,7 @@
             <a:fld id="{B61BEF0D-F0BB-DE4B-95CE-6DB70DBA9567}" type="datetimeFigureOut">
               <a:rPr lang="en-US" dirty="0"/>
               <a:pPr/>
-              <a:t>7/30/2018</a:t>
+              <a:t>7/31/2018</a:t>
             </a:fld>
             <a:endParaRPr lang="en-US" dirty="0"/>
           </a:p>
@@ -8037,23 +8039,7 @@
           <a:p>
             <a:r>
               <a:rPr lang="en-US" dirty="0"/>
-              <a:t>Corso Unity di base, per </a:t>
-            </a:r>
-            <a:r>
-              <a:rPr lang="it-IT" dirty="0"/>
-              <a:t>imparare</a:t>
-            </a:r>
-            <a:r>
-              <a:rPr lang="en-US" dirty="0"/>
-              <a:t> </a:t>
-            </a:r>
-            <a:r>
-              <a:rPr lang="it-IT" dirty="0"/>
-              <a:t>divertendosi</a:t>
-            </a:r>
-            <a:r>
-              <a:rPr lang="en-US" dirty="0"/>
-              <a:t>!</a:t>
+              <a:t>Corso Unity di base</a:t>
             </a:r>
           </a:p>
         </p:txBody>
@@ -8200,7 +8186,7 @@
         <p:spPr>
           <a:xfrm>
             <a:off x="1399509" y="2053843"/>
-            <a:ext cx="8915399" cy="1210467"/>
+            <a:ext cx="8915399" cy="2228011"/>
           </a:xfrm>
         </p:spPr>
         <p:txBody>
@@ -8277,6 +8263,35 @@
             <a:r>
               <a:rPr lang="en-US" dirty="0"/>
               <a:t> serve)</a:t>
+            </a:r>
+          </a:p>
+          <a:p>
+            <a:pPr marL="285750" indent="-285750">
+              <a:buFont typeface="Arial" panose="020B0604020202020204" pitchFamily="34" charset="0"/>
+              <a:buChar char="•"/>
+            </a:pPr>
+            <a:endParaRPr lang="en-US" dirty="0"/>
+          </a:p>
+          <a:p>
+            <a:pPr marL="285750" indent="-285750">
+              <a:buFont typeface="Arial" panose="020B0604020202020204" pitchFamily="34" charset="0"/>
+              <a:buChar char="•"/>
+            </a:pPr>
+            <a:r>
+              <a:rPr lang="en-US" b="1" dirty="0" err="1"/>
+              <a:t>Creare</a:t>
+            </a:r>
+            <a:r>
+              <a:rPr lang="en-US" b="1" dirty="0"/>
+              <a:t> un </a:t>
+            </a:r>
+            <a:r>
+              <a:rPr lang="en-US" b="1" dirty="0" err="1"/>
+              <a:t>videogioco</a:t>
+            </a:r>
+            <a:r>
+              <a:rPr lang="en-US" b="1" dirty="0"/>
+              <a:t> 2D!</a:t>
             </a:r>
           </a:p>
           <a:p>
@@ -8371,7 +8386,7 @@
         <p:spPr>
           <a:xfrm>
             <a:off x="1399509" y="2338978"/>
-            <a:ext cx="8915399" cy="1210467"/>
+            <a:ext cx="8915399" cy="2523168"/>
           </a:xfrm>
         </p:spPr>
         <p:txBody>
@@ -8415,6 +8430,77 @@
             <a:r>
               <a:rPr lang="en-US" dirty="0"/>
               <a:t>. </a:t>
+            </a:r>
+          </a:p>
+          <a:p>
+            <a:endParaRPr lang="en-US" dirty="0"/>
+          </a:p>
+          <a:p>
+            <a:r>
+              <a:rPr lang="en-US" b="1" dirty="0"/>
+              <a:t>Cosa </a:t>
+            </a:r>
+            <a:r>
+              <a:rPr lang="en-US" b="1" dirty="0" err="1"/>
+              <a:t>significa</a:t>
+            </a:r>
+            <a:r>
+              <a:rPr lang="en-US" b="1" dirty="0"/>
+              <a:t>? </a:t>
+            </a:r>
+          </a:p>
+          <a:p>
+            <a:r>
+              <a:rPr lang="en-US" dirty="0"/>
+              <a:t>Ci </a:t>
+            </a:r>
+            <a:r>
+              <a:rPr lang="en-US" dirty="0" err="1"/>
+              <a:t>puoi</a:t>
+            </a:r>
+            <a:r>
+              <a:rPr lang="en-US" dirty="0"/>
+              <a:t> </a:t>
+            </a:r>
+            <a:r>
+              <a:rPr lang="en-US" dirty="0" err="1"/>
+              <a:t>creare</a:t>
+            </a:r>
+            <a:r>
+              <a:rPr lang="en-US" dirty="0"/>
+              <a:t> </a:t>
+            </a:r>
+            <a:r>
+              <a:rPr lang="en-US" dirty="0" err="1"/>
+              <a:t>giochi</a:t>
+            </a:r>
+            <a:r>
+              <a:rPr lang="en-US" dirty="0"/>
+              <a:t> (e non solo) per </a:t>
+            </a:r>
+            <a:r>
+              <a:rPr lang="en-US" dirty="0" err="1"/>
+              <a:t>differenti</a:t>
+            </a:r>
+            <a:r>
+              <a:rPr lang="en-US" dirty="0"/>
+              <a:t> </a:t>
+            </a:r>
+            <a:r>
+              <a:rPr lang="en-US" dirty="0" err="1"/>
+              <a:t>piattaforme</a:t>
+            </a:r>
+            <a:r>
+              <a:rPr lang="en-US" dirty="0"/>
+              <a:t>: PC, mac, </a:t>
+            </a:r>
+            <a:r>
+              <a:rPr lang="en-US" dirty="0" err="1"/>
+              <a:t>linux</a:t>
+            </a:r>
+            <a:r>
+              <a:rPr lang="en-US" dirty="0"/>
+              <a:t>, android, iOS…</a:t>
             </a:r>
           </a:p>
         </p:txBody>
@@ -8564,7 +8650,7 @@
           <a:p>
             <a:r>
               <a:rPr lang="it-IT" dirty="0"/>
-              <a:t>In un videogioco classico le possibili scene: </a:t>
+              <a:t>In un videogioco classico le possibili scene sono: </a:t>
             </a:r>
           </a:p>
           <a:p>
@@ -8794,7 +8880,15 @@
             </a:r>
             <a:r>
               <a:rPr lang="en-US" dirty="0"/>
-              <a:t> element </a:t>
+              <a:t> </a:t>
+            </a:r>
+            <a:r>
+              <a:rPr lang="en-US" dirty="0" err="1"/>
+              <a:t>elemento</a:t>
+            </a:r>
+            <a:r>
+              <a:rPr lang="en-US" dirty="0"/>
+              <a:t> </a:t>
             </a:r>
             <a:r>
               <a:rPr lang="en-US" dirty="0" err="1"/>
@@ -8950,19 +9044,11 @@
             </a:r>
             <a:r>
               <a:rPr lang="en-US" dirty="0" err="1"/>
-              <a:t>che</a:t>
-            </a:r>
-            <a:r>
-              <a:rPr lang="en-US" dirty="0"/>
-              <a:t> Unity </a:t>
-            </a:r>
-            <a:r>
-              <a:rPr lang="en-US" dirty="0" err="1"/>
-              <a:t>supporta</a:t>
-            </a:r>
-            <a:r>
-              <a:rPr lang="en-US" dirty="0"/>
-              <a:t>.”</a:t>
+              <a:t>supportato</a:t>
+            </a:r>
+            <a:r>
+              <a:rPr lang="en-US" dirty="0"/>
+              <a:t> da Unity.”</a:t>
             </a:r>
           </a:p>
         </p:txBody>
@@ -9375,6 +9461,493 @@
     <p:extLst>
       <p:ext uri="{BB962C8B-B14F-4D97-AF65-F5344CB8AC3E}">
         <p14:creationId xmlns:p14="http://schemas.microsoft.com/office/powerpoint/2010/main" val="1071357358"/>
+      </p:ext>
+    </p:extLst>
+  </p:cSld>
+  <p:clrMapOvr>
+    <a:masterClrMapping/>
+  </p:clrMapOvr>
+</p:sld>
+</file>
+
+<file path=ppt/slides/slide7.xml><?xml version="1.0" encoding="utf-8"?>
+<p:sld xmlns:a="http://schemas.openxmlformats.org/drawingml/2006/main" xmlns:r="http://schemas.openxmlformats.org/officeDocument/2006/relationships" xmlns:p="http://schemas.openxmlformats.org/presentationml/2006/main" showMasterSp="0">
+  <p:cSld>
+    <p:spTree>
+      <p:nvGrpSpPr>
+        <p:cNvPr id="1" name=""/>
+        <p:cNvGrpSpPr/>
+        <p:nvPr/>
+      </p:nvGrpSpPr>
+      <p:grpSpPr>
+        <a:xfrm>
+          <a:off x="0" y="0"/>
+          <a:ext cx="0" cy="0"/>
+          <a:chOff x="0" y="0"/>
+          <a:chExt cx="0" cy="0"/>
+        </a:xfrm>
+      </p:grpSpPr>
+      <p:sp>
+        <p:nvSpPr>
+          <p:cNvPr id="2" name="Titolo 1">
+            <a:extLst>
+              <a:ext uri="{FF2B5EF4-FFF2-40B4-BE49-F238E27FC236}">
+                <a16:creationId xmlns:a16="http://schemas.microsoft.com/office/drawing/2014/main" id="{C4540E8B-7393-4F88-93D1-6B004B51D915}"/>
+              </a:ext>
+            </a:extLst>
+          </p:cNvPr>
+          <p:cNvSpPr>
+            <a:spLocks noGrp="1"/>
+          </p:cNvSpPr>
+          <p:nvPr>
+            <p:ph type="ctrTitle"/>
+          </p:nvPr>
+        </p:nvSpPr>
+        <p:spPr>
+          <a:xfrm>
+            <a:off x="1399509" y="316713"/>
+            <a:ext cx="8915399" cy="962465"/>
+          </a:xfrm>
+        </p:spPr>
+        <p:txBody>
+          <a:bodyPr>
+            <a:normAutofit/>
+          </a:bodyPr>
+          <a:lstStyle/>
+          <a:p>
+            <a:r>
+              <a:rPr lang="it-IT" dirty="0"/>
+              <a:t>Scripts</a:t>
+            </a:r>
+          </a:p>
+        </p:txBody>
+      </p:sp>
+      <p:sp>
+        <p:nvSpPr>
+          <p:cNvPr id="3" name="Sottotitolo 2">
+            <a:extLst>
+              <a:ext uri="{FF2B5EF4-FFF2-40B4-BE49-F238E27FC236}">
+                <a16:creationId xmlns:a16="http://schemas.microsoft.com/office/drawing/2014/main" id="{82F3DF9F-8C30-41E5-A9CA-91CD14F643BF}"/>
+              </a:ext>
+            </a:extLst>
+          </p:cNvPr>
+          <p:cNvSpPr>
+            <a:spLocks noGrp="1"/>
+          </p:cNvSpPr>
+          <p:nvPr>
+            <p:ph type="subTitle" idx="1"/>
+          </p:nvPr>
+        </p:nvSpPr>
+        <p:spPr>
+          <a:xfrm>
+            <a:off x="1399509" y="2053843"/>
+            <a:ext cx="8915399" cy="3344634"/>
+          </a:xfrm>
+        </p:spPr>
+        <p:txBody>
+          <a:bodyPr>
+            <a:normAutofit/>
+          </a:bodyPr>
+          <a:lstStyle/>
+          <a:p>
+            <a:pPr marL="285750" indent="-285750">
+              <a:buFont typeface="Arial" panose="020B0604020202020204" pitchFamily="34" charset="0"/>
+              <a:buChar char="•"/>
+            </a:pPr>
+            <a:r>
+              <a:rPr lang="en-US" dirty="0"/>
+              <a:t>I </a:t>
+            </a:r>
+            <a:r>
+              <a:rPr lang="en-US" dirty="0" err="1"/>
+              <a:t>componenti</a:t>
+            </a:r>
+            <a:r>
+              <a:rPr lang="en-US" dirty="0"/>
+              <a:t> </a:t>
+            </a:r>
+            <a:r>
+              <a:rPr lang="en-US" dirty="0" err="1"/>
+              <a:t>controllano</a:t>
+            </a:r>
+            <a:r>
+              <a:rPr lang="en-US" dirty="0"/>
+              <a:t> </a:t>
+            </a:r>
+            <a:r>
+              <a:rPr lang="en-US" dirty="0" err="1"/>
+              <a:t>il</a:t>
+            </a:r>
+            <a:r>
+              <a:rPr lang="en-US" dirty="0"/>
+              <a:t> </a:t>
+            </a:r>
+            <a:r>
+              <a:rPr lang="en-US" dirty="0" err="1"/>
+              <a:t>comportamento</a:t>
+            </a:r>
+            <a:r>
+              <a:rPr lang="en-US" dirty="0"/>
+              <a:t> </a:t>
+            </a:r>
+            <a:r>
+              <a:rPr lang="en-US" dirty="0" err="1"/>
+              <a:t>degli</a:t>
+            </a:r>
+            <a:r>
+              <a:rPr lang="en-US" dirty="0"/>
+              <a:t> </a:t>
+            </a:r>
+            <a:r>
+              <a:rPr lang="en-US" dirty="0" err="1"/>
+              <a:t>oggetti</a:t>
+            </a:r>
+            <a:r>
+              <a:rPr lang="en-US" dirty="0"/>
+              <a:t>. </a:t>
+            </a:r>
+            <a:r>
+              <a:rPr lang="en-US" dirty="0" err="1"/>
+              <a:t>Nonostante</a:t>
+            </a:r>
+            <a:r>
+              <a:rPr lang="en-US" dirty="0"/>
+              <a:t> </a:t>
+            </a:r>
+            <a:r>
+              <a:rPr lang="en-US" dirty="0" err="1"/>
+              <a:t>sinao</a:t>
+            </a:r>
+            <a:r>
+              <a:rPr lang="en-US" dirty="0"/>
+              <a:t> </a:t>
+            </a:r>
+            <a:r>
+              <a:rPr lang="en-US" dirty="0" err="1"/>
+              <a:t>versatili</a:t>
+            </a:r>
+            <a:r>
+              <a:rPr lang="en-US" dirty="0"/>
+              <a:t>, per far </a:t>
+            </a:r>
+            <a:r>
+              <a:rPr lang="en-US" dirty="0" err="1"/>
+              <a:t>compiere</a:t>
+            </a:r>
+            <a:r>
+              <a:rPr lang="en-US" dirty="0"/>
+              <a:t> </a:t>
+            </a:r>
+            <a:r>
+              <a:rPr lang="en-US" dirty="0" err="1"/>
+              <a:t>certe</a:t>
+            </a:r>
+            <a:r>
+              <a:rPr lang="en-US" dirty="0"/>
+              <a:t> </a:t>
+            </a:r>
+            <a:r>
+              <a:rPr lang="en-US" dirty="0" err="1"/>
+              <a:t>azioni</a:t>
+            </a:r>
+            <a:r>
+              <a:rPr lang="en-US" dirty="0"/>
+              <a:t> </a:t>
+            </a:r>
+            <a:r>
+              <a:rPr lang="en-US" dirty="0" err="1"/>
+              <a:t>dobbiamo</a:t>
+            </a:r>
+            <a:r>
+              <a:rPr lang="en-US" dirty="0"/>
+              <a:t> </a:t>
+            </a:r>
+            <a:r>
+              <a:rPr lang="en-US" dirty="0" err="1"/>
+              <a:t>creare</a:t>
+            </a:r>
+            <a:r>
+              <a:rPr lang="en-US" dirty="0"/>
+              <a:t> </a:t>
+            </a:r>
+            <a:r>
+              <a:rPr lang="en-US" dirty="0" err="1"/>
+              <a:t>dei</a:t>
+            </a:r>
+            <a:r>
+              <a:rPr lang="en-US" dirty="0"/>
+              <a:t> </a:t>
+            </a:r>
+            <a:r>
+              <a:rPr lang="en-US" dirty="0" err="1"/>
+              <a:t>componenti</a:t>
+            </a:r>
+            <a:r>
+              <a:rPr lang="en-US" dirty="0"/>
+              <a:t> </a:t>
+            </a:r>
+            <a:r>
+              <a:rPr lang="en-US" dirty="0" err="1"/>
+              <a:t>tutti</a:t>
+            </a:r>
+            <a:r>
+              <a:rPr lang="en-US" dirty="0"/>
+              <a:t> </a:t>
+            </a:r>
+            <a:r>
+              <a:rPr lang="en-US" dirty="0" err="1"/>
+              <a:t>nostri</a:t>
+            </a:r>
+            <a:r>
+              <a:rPr lang="en-US" dirty="0"/>
+              <a:t> </a:t>
+            </a:r>
+            <a:r>
+              <a:rPr lang="en-US" dirty="0" err="1"/>
+              <a:t>usando</a:t>
+            </a:r>
+            <a:r>
+              <a:rPr lang="en-US" dirty="0"/>
+              <a:t> </a:t>
+            </a:r>
+            <a:r>
+              <a:rPr lang="en-US" dirty="0" err="1"/>
+              <a:t>gli</a:t>
+            </a:r>
+            <a:r>
+              <a:rPr lang="en-US" dirty="0"/>
+              <a:t> </a:t>
+            </a:r>
+            <a:r>
+              <a:rPr lang="en-US" b="1" i="1" dirty="0"/>
+              <a:t>scripts</a:t>
+            </a:r>
+            <a:r>
+              <a:rPr lang="en-US" dirty="0"/>
+              <a:t>.</a:t>
+            </a:r>
+          </a:p>
+          <a:p>
+            <a:pPr marL="285750" indent="-285750">
+              <a:buFont typeface="Arial" panose="020B0604020202020204" pitchFamily="34" charset="0"/>
+              <a:buChar char="•"/>
+            </a:pPr>
+            <a:r>
+              <a:rPr lang="en-US" dirty="0"/>
+              <a:t>Unity </a:t>
+            </a:r>
+            <a:r>
+              <a:rPr lang="en-US" dirty="0" err="1"/>
+              <a:t>supporta</a:t>
+            </a:r>
+            <a:r>
+              <a:rPr lang="en-US" dirty="0"/>
+              <a:t> due </a:t>
+            </a:r>
+            <a:r>
+              <a:rPr lang="en-US" dirty="0" err="1"/>
+              <a:t>linguaggi</a:t>
+            </a:r>
+            <a:r>
+              <a:rPr lang="en-US" dirty="0"/>
+              <a:t> di </a:t>
+            </a:r>
+            <a:r>
+              <a:rPr lang="en-US" dirty="0" err="1"/>
+              <a:t>programmazione</a:t>
+            </a:r>
+            <a:r>
+              <a:rPr lang="en-US" dirty="0"/>
+              <a:t>: C# e JavaScript</a:t>
+            </a:r>
+          </a:p>
+        </p:txBody>
+      </p:sp>
+    </p:spTree>
+    <p:extLst>
+      <p:ext uri="{BB962C8B-B14F-4D97-AF65-F5344CB8AC3E}">
+        <p14:creationId xmlns:p14="http://schemas.microsoft.com/office/powerpoint/2010/main" val="3483509303"/>
+      </p:ext>
+    </p:extLst>
+  </p:cSld>
+  <p:clrMapOvr>
+    <a:masterClrMapping/>
+  </p:clrMapOvr>
+</p:sld>
+</file>
+
+<file path=ppt/slides/slide8.xml><?xml version="1.0" encoding="utf-8"?>
+<p:sld xmlns:a="http://schemas.openxmlformats.org/drawingml/2006/main" xmlns:r="http://schemas.openxmlformats.org/officeDocument/2006/relationships" xmlns:p="http://schemas.openxmlformats.org/presentationml/2006/main" showMasterSp="0">
+  <p:cSld>
+    <p:spTree>
+      <p:nvGrpSpPr>
+        <p:cNvPr id="1" name=""/>
+        <p:cNvGrpSpPr/>
+        <p:nvPr/>
+      </p:nvGrpSpPr>
+      <p:grpSpPr>
+        <a:xfrm>
+          <a:off x="0" y="0"/>
+          <a:ext cx="0" cy="0"/>
+          <a:chOff x="0" y="0"/>
+          <a:chExt cx="0" cy="0"/>
+        </a:xfrm>
+      </p:grpSpPr>
+      <p:sp>
+        <p:nvSpPr>
+          <p:cNvPr id="2" name="Titolo 1">
+            <a:extLst>
+              <a:ext uri="{FF2B5EF4-FFF2-40B4-BE49-F238E27FC236}">
+                <a16:creationId xmlns:a16="http://schemas.microsoft.com/office/drawing/2014/main" id="{C4540E8B-7393-4F88-93D1-6B004B51D915}"/>
+              </a:ext>
+            </a:extLst>
+          </p:cNvPr>
+          <p:cNvSpPr>
+            <a:spLocks noGrp="1"/>
+          </p:cNvSpPr>
+          <p:nvPr>
+            <p:ph type="ctrTitle"/>
+          </p:nvPr>
+        </p:nvSpPr>
+        <p:spPr>
+          <a:xfrm>
+            <a:off x="1399509" y="316713"/>
+            <a:ext cx="8915399" cy="962465"/>
+          </a:xfrm>
+        </p:spPr>
+        <p:txBody>
+          <a:bodyPr>
+            <a:normAutofit/>
+          </a:bodyPr>
+          <a:lstStyle/>
+          <a:p>
+            <a:r>
+              <a:rPr lang="it-IT" dirty="0"/>
+              <a:t>Interfaccia</a:t>
+            </a:r>
+          </a:p>
+        </p:txBody>
+      </p:sp>
+      <p:pic>
+        <p:nvPicPr>
+          <p:cNvPr id="5" name="Immagine 4">
+            <a:extLst>
+              <a:ext uri="{FF2B5EF4-FFF2-40B4-BE49-F238E27FC236}">
+                <a16:creationId xmlns:a16="http://schemas.microsoft.com/office/drawing/2014/main" id="{5F36AC5B-591F-41AF-AB5F-82924C0191B6}"/>
+              </a:ext>
+            </a:extLst>
+          </p:cNvPr>
+          <p:cNvPicPr>
+            <a:picLocks noChangeAspect="1"/>
+          </p:cNvPicPr>
+          <p:nvPr/>
+        </p:nvPicPr>
+        <p:blipFill>
+          <a:blip r:embed="rId2"/>
+          <a:stretch>
+            <a:fillRect/>
+          </a:stretch>
+        </p:blipFill>
+        <p:spPr>
+          <a:xfrm>
+            <a:off x="1145458" y="1279178"/>
+            <a:ext cx="9901084" cy="5311519"/>
+          </a:xfrm>
+          <a:prstGeom prst="rect">
+            <a:avLst/>
+          </a:prstGeom>
+        </p:spPr>
+      </p:pic>
+      <p:sp>
+        <p:nvSpPr>
+          <p:cNvPr id="3" name="Sottotitolo 2">
+            <a:extLst>
+              <a:ext uri="{FF2B5EF4-FFF2-40B4-BE49-F238E27FC236}">
+                <a16:creationId xmlns:a16="http://schemas.microsoft.com/office/drawing/2014/main" id="{82F3DF9F-8C30-41E5-A9CA-91CD14F643BF}"/>
+              </a:ext>
+            </a:extLst>
+          </p:cNvPr>
+          <p:cNvSpPr>
+            <a:spLocks noGrp="1"/>
+          </p:cNvSpPr>
+          <p:nvPr>
+            <p:ph type="subTitle" idx="1"/>
+          </p:nvPr>
+        </p:nvSpPr>
+        <p:spPr>
+          <a:xfrm>
+            <a:off x="5487933" y="585151"/>
+            <a:ext cx="6390476" cy="584226"/>
+          </a:xfrm>
+        </p:spPr>
+        <p:txBody>
+          <a:bodyPr>
+            <a:normAutofit fontScale="92500" lnSpcReduction="10000"/>
+          </a:bodyPr>
+          <a:lstStyle/>
+          <a:p>
+            <a:pPr marL="285750" indent="-285750">
+              <a:buFont typeface="Arial" panose="020B0604020202020204" pitchFamily="34" charset="0"/>
+              <a:buChar char="•"/>
+            </a:pPr>
+            <a:r>
+              <a:rPr lang="en-US" dirty="0" err="1"/>
+              <a:t>L’interfaccia</a:t>
+            </a:r>
+            <a:r>
+              <a:rPr lang="en-US" dirty="0"/>
+              <a:t> di Unity ha </a:t>
+            </a:r>
+            <a:r>
+              <a:rPr lang="en-US" dirty="0" err="1"/>
+              <a:t>tanti</a:t>
+            </a:r>
+            <a:r>
+              <a:rPr lang="en-US" dirty="0"/>
+              <a:t> </a:t>
+            </a:r>
+            <a:r>
+              <a:rPr lang="en-US" dirty="0" err="1"/>
+              <a:t>bei</a:t>
+            </a:r>
+            <a:r>
+              <a:rPr lang="en-US" dirty="0"/>
+              <a:t> </a:t>
+            </a:r>
+            <a:r>
+              <a:rPr lang="en-US" dirty="0" err="1"/>
+              <a:t>bottoni</a:t>
+            </a:r>
+            <a:r>
+              <a:rPr lang="en-US" dirty="0"/>
+              <a:t>. </a:t>
+            </a:r>
+            <a:br>
+              <a:rPr lang="en-US" dirty="0"/>
+            </a:br>
+            <a:r>
+              <a:rPr lang="en-US" dirty="0" err="1"/>
+              <a:t>Vediamoli</a:t>
+            </a:r>
+            <a:r>
+              <a:rPr lang="en-US" dirty="0"/>
+              <a:t> </a:t>
+            </a:r>
+            <a:r>
+              <a:rPr lang="en-US" dirty="0" err="1"/>
+              <a:t>insieme</a:t>
+            </a:r>
+            <a:r>
+              <a:rPr lang="en-US" dirty="0"/>
+              <a:t>! </a:t>
+            </a:r>
+          </a:p>
+        </p:txBody>
+      </p:sp>
+    </p:spTree>
+    <p:extLst>
+      <p:ext uri="{BB962C8B-B14F-4D97-AF65-F5344CB8AC3E}">
+        <p14:creationId xmlns:p14="http://schemas.microsoft.com/office/powerpoint/2010/main" val="3091798809"/>
       </p:ext>
     </p:extLst>
   </p:cSld>
